--- a/Spring17/Poster/ExpoPoster.pptx
+++ b/Spring17/Poster/ExpoPoster.pptx
@@ -238,7 +238,7 @@
           <a:p>
             <a:fld id="{7395F848-6DDA-9042-95D4-0071278BB24B}" type="datetimeFigureOut">
               <a:rPr lang="en-US" smtClean="0"/>
-              <a:t>4/15/2017</a:t>
+              <a:t>4/17/2017</a:t>
             </a:fld>
             <a:endParaRPr lang="en-US"/>
           </a:p>
@@ -1386,7 +1386,7 @@
           <a:p>
             <a:fld id="{56B6BD69-149A-CD41-9E7C-E241C9398BA0}" type="datetimeFigureOut">
               <a:rPr lang="en-US" smtClean="0"/>
-              <a:t>4/15/2017</a:t>
+              <a:t>4/17/2017</a:t>
             </a:fld>
             <a:endParaRPr lang="en-US"/>
           </a:p>
@@ -1564,7 +1564,7 @@
           <a:p>
             <a:fld id="{56B6BD69-149A-CD41-9E7C-E241C9398BA0}" type="datetimeFigureOut">
               <a:rPr lang="en-US" smtClean="0"/>
-              <a:t>4/15/2017</a:t>
+              <a:t>4/17/2017</a:t>
             </a:fld>
             <a:endParaRPr lang="en-US"/>
           </a:p>
@@ -1732,7 +1732,7 @@
           <a:p>
             <a:fld id="{56B6BD69-149A-CD41-9E7C-E241C9398BA0}" type="datetimeFigureOut">
               <a:rPr lang="en-US" smtClean="0"/>
-              <a:t>4/15/2017</a:t>
+              <a:t>4/17/2017</a:t>
             </a:fld>
             <a:endParaRPr lang="en-US"/>
           </a:p>
@@ -1977,7 +1977,7 @@
           <a:p>
             <a:fld id="{56B6BD69-149A-CD41-9E7C-E241C9398BA0}" type="datetimeFigureOut">
               <a:rPr lang="en-US" smtClean="0"/>
-              <a:t>4/15/2017</a:t>
+              <a:t>4/17/2017</a:t>
             </a:fld>
             <a:endParaRPr lang="en-US"/>
           </a:p>
@@ -2262,7 +2262,7 @@
           <a:p>
             <a:fld id="{56B6BD69-149A-CD41-9E7C-E241C9398BA0}" type="datetimeFigureOut">
               <a:rPr lang="en-US" smtClean="0"/>
-              <a:t>4/15/2017</a:t>
+              <a:t>4/17/2017</a:t>
             </a:fld>
             <a:endParaRPr lang="en-US"/>
           </a:p>
@@ -2686,7 +2686,7 @@
           <a:p>
             <a:fld id="{56B6BD69-149A-CD41-9E7C-E241C9398BA0}" type="datetimeFigureOut">
               <a:rPr lang="en-US" smtClean="0"/>
-              <a:t>4/15/2017</a:t>
+              <a:t>4/17/2017</a:t>
             </a:fld>
             <a:endParaRPr lang="en-US"/>
           </a:p>
@@ -2803,7 +2803,7 @@
           <a:p>
             <a:fld id="{56B6BD69-149A-CD41-9E7C-E241C9398BA0}" type="datetimeFigureOut">
               <a:rPr lang="en-US" smtClean="0"/>
-              <a:t>4/15/2017</a:t>
+              <a:t>4/17/2017</a:t>
             </a:fld>
             <a:endParaRPr lang="en-US"/>
           </a:p>
@@ -2898,7 +2898,7 @@
           <a:p>
             <a:fld id="{56B6BD69-149A-CD41-9E7C-E241C9398BA0}" type="datetimeFigureOut">
               <a:rPr lang="en-US" smtClean="0"/>
-              <a:t>4/15/2017</a:t>
+              <a:t>4/17/2017</a:t>
             </a:fld>
             <a:endParaRPr lang="en-US"/>
           </a:p>
@@ -3173,7 +3173,7 @@
           <a:p>
             <a:fld id="{56B6BD69-149A-CD41-9E7C-E241C9398BA0}" type="datetimeFigureOut">
               <a:rPr lang="en-US" smtClean="0"/>
-              <a:t>4/15/2017</a:t>
+              <a:t>4/17/2017</a:t>
             </a:fld>
             <a:endParaRPr lang="en-US"/>
           </a:p>
@@ -3428,7 +3428,7 @@
           <a:p>
             <a:fld id="{56B6BD69-149A-CD41-9E7C-E241C9398BA0}" type="datetimeFigureOut">
               <a:rPr lang="en-US" smtClean="0"/>
-              <a:t>4/15/2017</a:t>
+              <a:t>4/17/2017</a:t>
             </a:fld>
             <a:endParaRPr lang="en-US"/>
           </a:p>
@@ -3640,7 +3640,7 @@
           <a:p>
             <a:fld id="{56B6BD69-149A-CD41-9E7C-E241C9398BA0}" type="datetimeFigureOut">
               <a:rPr lang="en-US" smtClean="0"/>
-              <a:t>4/15/2017</a:t>
+              <a:t>4/17/2017</a:t>
             </a:fld>
             <a:endParaRPr lang="en-US"/>
           </a:p>
@@ -4089,8 +4089,8 @@
         </p:nvSpPr>
         <p:spPr>
           <a:xfrm>
-            <a:off x="12469124" y="12733836"/>
-            <a:ext cx="9222475" cy="18962798"/>
+            <a:off x="12469124" y="12733835"/>
+            <a:ext cx="9222475" cy="19299661"/>
           </a:xfrm>
           <a:prstGeom prst="rect">
             <a:avLst/>
@@ -4125,7 +4125,7 @@
             </a:pPr>
             <a:r>
               <a:rPr lang="en-US" sz="3000" dirty="0"/>
-              <a:t>Over the last couple years teams at Oregon State University have been developing and testing a feasible hybrid rocket. Last year Oregon State’s team was successfully able to launch a hybrid rocket up to 5,000 ft. On board their rocket was and array of sensors collecting data on a micro computer housed in the avionics bay. They were successful in collecting a large amount of data, but they didn’t have a quick and easy way to view this data. That’s where we come in.</a:t>
+              <a:t>Over the last couple years, teams at Oregon State University have been developing and testing a feasible hybrid rocket. Last year Oregon State’s team was successfully able to launch a hybrid rocket up to 5,000 ft. On board their rocket was an array of sensors collecting data on a micro computer housed in the avionics bay. They were successful in collecting a large amount of data, but they didn’t have a quick and easy way to view this data. That’s where we come in.</a:t>
             </a:r>
           </a:p>
           <a:p>
@@ -4136,7 +4136,7 @@
             </a:pPr>
             <a:r>
               <a:rPr lang="en-US" sz="3000" dirty="0"/>
-              <a:t> Our project’s goal is to establish a live communication line with this years rocket where we will be able to issue commands and receive sensor data When this data is collected it is our job to visualize it on a graphical interface. The underlying mechanism of this project require communication between two remote computers. This communication is to be achieved through radio frequency emitted by radio transceivers that can communicate with a modern computer.</a:t>
+              <a:t>Our project’s goal is to establish a live communication line with this years rocket where we will be able to issue commands and receive sensor data. When this data is collected it is our job to visualize it on a graphical interface. The underlying mechanism of this project require communication between two remote computers. This communication is achieved through radio transceivers that can communicate with a modern computer.</a:t>
             </a:r>
           </a:p>
           <a:p>
@@ -4147,8 +4147,15 @@
             </a:pPr>
             <a:r>
               <a:rPr lang="en-US" sz="3000" dirty="0"/>
-              <a:t> There is a micro computer in the avionics bay of the rocket that is attached to an array of sensors. The computer can be programmed to read these sensors and communicate with a radio transceiver to relay information. Software on a laptop on the ground will be connected to another radio transceiver. This software will be able to talk to the computer on the rocket through these radio transceivers. </a:t>
-            </a:r>
+              <a:t> There is a micro computer in the avionics bay of the rocket that is attached to an array of sensors. The computer can be programmed to read these sensors and communicate with one of the radio transceivers to relay information. Software on a laptop on the ground will be connected to another radio transceiver. This software will be able to talk to the computer on the rocket through these radio transceivers.</a:t>
+            </a:r>
+          </a:p>
+          <a:p>
+            <a:pPr>
+              <a:spcAft>
+                <a:spcPts val="1800"/>
+              </a:spcAft>
+            </a:pPr>
             <a:r>
               <a:rPr lang="en-US" sz="3600" b="1" dirty="0">
                 <a:solidFill>
@@ -4166,7 +4173,7 @@
             </a:pPr>
             <a:r>
               <a:rPr lang="en-US" sz="3000" dirty="0"/>
-              <a:t>In order to solve this problem the Electrical Engineering team has carefully chosen sensors, servos, a radio transceiver, and a micro computer to fit these needs. Software running on this micro computer communicates with the all these components. Data is collected from the sensors and then packaged up and sent out the radio transceiver.</a:t>
+              <a:t>In order to solve this problem the Electrical Engineering team has carefully chosen sensors, servos, a radio transceiver, and a micro computer to fit these needs. Software running on this micro computer communicates with the all these components. Data is collected from the sensors, then packaged up and sent out the radio transceiver.</a:t>
             </a:r>
           </a:p>
         </p:txBody>
@@ -4207,8 +4214,8 @@
               </a:spcAft>
             </a:pPr>
             <a:r>
-              <a:rPr lang="en-US" sz="3600" b="1" dirty="0"/>
-              <a:t>The software also monitors for radio message that might contain commands from the graphical user interface. On the ground our software monitors or sends radio messages from another radio transceiver. When sensor data is received from the rocket we graph this data in lines graphs and gauges. This makes the rockets current state easy to visualize by the ground team while it is in flight. We then store this information for later visualization and records.</a:t>
+              <a:rPr lang="en-US" sz="3600" dirty="0"/>
+              <a:t>The software also monitors for radio messages that might contain commands from the graphical user interface. On the ground our software monitors or sends radio messages from another radio transceiver. When sensor data is received from the rocket we graph this data on the user interface. This makes the rockets current state easy to visualize by the ground team while it is in flight. We then store this information for later visualization and records.</a:t>
             </a:r>
           </a:p>
           <a:p>
@@ -4245,7 +4252,7 @@
             </a:pPr>
             <a:r>
               <a:rPr lang="en-US" sz="3000" dirty="0"/>
-              <a:t>• When data is received it must be accurate logged and visualized in a graph.</a:t>
+              <a:t>• When data is received it must be accurately logged and visualized in a graph.</a:t>
             </a:r>
           </a:p>
           <a:p>
@@ -4386,15 +4393,7 @@
             </a:pPr>
             <a:r>
               <a:rPr lang="en-US" sz="3000" dirty="0"/>
-              <a:t>Acting as the avionics system on board the rocket is a Beagle Bone Black micro computer. This computer is connected through </a:t>
-            </a:r>
-            <a:r>
-              <a:rPr lang="en-US" sz="3000" dirty="0" err="1"/>
-              <a:t>gpio</a:t>
-            </a:r>
-            <a:r>
-              <a:rPr lang="en-US" sz="3000" dirty="0"/>
-              <a:t> lines to a set of sensors that measure different aspects of flight like, pressure, temperature, altitude, acceleration and GPS. It is also connected to an </a:t>
+              <a:t>On the rocket - Acting as the avionics system on board the rocket is a Beagle Bone Black micro computer. This computer is connected through GPIO lines to a set of sensors that measure different aspects of flight like, pressure, temperature, altitude, acceleration and GPS. It is also connected to an </a:t>
             </a:r>
             <a:r>
               <a:rPr lang="en-US" sz="3000" dirty="0" err="1"/>
@@ -4418,7 +4417,18 @@
             </a:r>
             <a:r>
               <a:rPr lang="en-US" sz="3000" dirty="0"/>
-              <a:t>. On the ground – The ground computer is Windows based laptop that is connected to a </a:t>
+              <a:t>.</a:t>
+            </a:r>
+          </a:p>
+          <a:p>
+            <a:pPr>
+              <a:spcAft>
+                <a:spcPts val="1800"/>
+              </a:spcAft>
+            </a:pPr>
+            <a:r>
+              <a:rPr lang="en-US" sz="3000" dirty="0"/>
+              <a:t> On the ground – The ground computer is Windows based laptop that is connected to a </a:t>
             </a:r>
             <a:r>
               <a:rPr lang="en-US" sz="3000" dirty="0" err="1"/>
@@ -4450,7 +4460,15 @@
             </a:r>
             <a:r>
               <a:rPr lang="en-US" sz="3000" dirty="0"/>
-              <a:t> to implement our gauges and graphs. We data is received from the </a:t>
+              <a:t> to implement our gauges and graphs. </a:t>
+            </a:r>
+            <a:r>
+              <a:rPr lang="en-US" sz="3000"/>
+              <a:t>When </a:t>
+            </a:r>
+            <a:r>
+              <a:rPr lang="en-US" sz="3000" dirty="0"/>
+              <a:t>data is received from the </a:t>
             </a:r>
             <a:r>
               <a:rPr lang="en-US" sz="3000" dirty="0" err="1"/>
@@ -4910,7 +4928,7 @@
                   <a:schemeClr val="bg1"/>
                 </a:solidFill>
               </a:rPr>
-              <a:t>• A hybrid rocket is a rocket that has two types of fuel, liquid and solid. </a:t>
+              <a:t>• A hybrid rocket has two types of fuel, liquid and solid. A normal rocket has one or the other. </a:t>
             </a:r>
           </a:p>
           <a:p>
@@ -4925,7 +4943,7 @@
                   <a:schemeClr val="bg1"/>
                 </a:solidFill>
               </a:rPr>
-              <a:t>• The rocket has a set of sensors that can be read to monitor its behavior in flight.</a:t>
+              <a:t>• The rocket has a set of sensors that monitor its behavior in flight.</a:t>
             </a:r>
           </a:p>
           <a:p>
@@ -4985,7 +5003,7 @@
                   <a:schemeClr val="bg1"/>
                 </a:solidFill>
               </a:rPr>
-              <a:t>The Oregon State hybrid team consists of many students from different college. We are made up o f Electrical Engineers, Mechanical Engineers, Computer Science Engineers, and Chemical engineers. The goal that we all face is to make a hybrid rocket and be able to launch it up to 10,000 feet and monitor its progress in real time. While the rocket is in flight we will be able to view sensor information from a section of the rocket called the avionics bay. This information will be presented in a understandable way if the form of graphs. We will collect this information for later use and analysis.</a:t>
+              <a:t>The Oregon State hybrid team consists of many students from different colleges. We are made up o f Electrical Engineers, Mechanical Engineers, Computer Science Engineers, and Chemical engineers. The goal that we all face is to make a hybrid rocket fly it to 10,000 feet. While in flight we will monitor its progress in real time. We will be able to view sensor information from a section of the rocket called the avionics bay. This information will be presented in a human readable way in the form of graphs. We will also collect this information for later use and analysis.</a:t>
             </a:r>
           </a:p>
         </p:txBody>

--- a/Spring17/Poster/ExpoPoster.pptx
+++ b/Spring17/Poster/ExpoPoster.pptx
@@ -238,7 +238,7 @@
           <a:p>
             <a:fld id="{7395F848-6DDA-9042-95D4-0071278BB24B}" type="datetimeFigureOut">
               <a:rPr lang="en-US" smtClean="0"/>
-              <a:t>4/17/2017</a:t>
+              <a:t>4/24/2017</a:t>
             </a:fld>
             <a:endParaRPr lang="en-US"/>
           </a:p>
@@ -1386,7 +1386,7 @@
           <a:p>
             <a:fld id="{56B6BD69-149A-CD41-9E7C-E241C9398BA0}" type="datetimeFigureOut">
               <a:rPr lang="en-US" smtClean="0"/>
-              <a:t>4/17/2017</a:t>
+              <a:t>4/24/2017</a:t>
             </a:fld>
             <a:endParaRPr lang="en-US"/>
           </a:p>
@@ -1564,7 +1564,7 @@
           <a:p>
             <a:fld id="{56B6BD69-149A-CD41-9E7C-E241C9398BA0}" type="datetimeFigureOut">
               <a:rPr lang="en-US" smtClean="0"/>
-              <a:t>4/17/2017</a:t>
+              <a:t>4/24/2017</a:t>
             </a:fld>
             <a:endParaRPr lang="en-US"/>
           </a:p>
@@ -1732,7 +1732,7 @@
           <a:p>
             <a:fld id="{56B6BD69-149A-CD41-9E7C-E241C9398BA0}" type="datetimeFigureOut">
               <a:rPr lang="en-US" smtClean="0"/>
-              <a:t>4/17/2017</a:t>
+              <a:t>4/24/2017</a:t>
             </a:fld>
             <a:endParaRPr lang="en-US"/>
           </a:p>
@@ -1977,7 +1977,7 @@
           <a:p>
             <a:fld id="{56B6BD69-149A-CD41-9E7C-E241C9398BA0}" type="datetimeFigureOut">
               <a:rPr lang="en-US" smtClean="0"/>
-              <a:t>4/17/2017</a:t>
+              <a:t>4/24/2017</a:t>
             </a:fld>
             <a:endParaRPr lang="en-US"/>
           </a:p>
@@ -2262,7 +2262,7 @@
           <a:p>
             <a:fld id="{56B6BD69-149A-CD41-9E7C-E241C9398BA0}" type="datetimeFigureOut">
               <a:rPr lang="en-US" smtClean="0"/>
-              <a:t>4/17/2017</a:t>
+              <a:t>4/24/2017</a:t>
             </a:fld>
             <a:endParaRPr lang="en-US"/>
           </a:p>
@@ -2686,7 +2686,7 @@
           <a:p>
             <a:fld id="{56B6BD69-149A-CD41-9E7C-E241C9398BA0}" type="datetimeFigureOut">
               <a:rPr lang="en-US" smtClean="0"/>
-              <a:t>4/17/2017</a:t>
+              <a:t>4/24/2017</a:t>
             </a:fld>
             <a:endParaRPr lang="en-US"/>
           </a:p>
@@ -2803,7 +2803,7 @@
           <a:p>
             <a:fld id="{56B6BD69-149A-CD41-9E7C-E241C9398BA0}" type="datetimeFigureOut">
               <a:rPr lang="en-US" smtClean="0"/>
-              <a:t>4/17/2017</a:t>
+              <a:t>4/24/2017</a:t>
             </a:fld>
             <a:endParaRPr lang="en-US"/>
           </a:p>
@@ -2898,7 +2898,7 @@
           <a:p>
             <a:fld id="{56B6BD69-149A-CD41-9E7C-E241C9398BA0}" type="datetimeFigureOut">
               <a:rPr lang="en-US" smtClean="0"/>
-              <a:t>4/17/2017</a:t>
+              <a:t>4/24/2017</a:t>
             </a:fld>
             <a:endParaRPr lang="en-US"/>
           </a:p>
@@ -3173,7 +3173,7 @@
           <a:p>
             <a:fld id="{56B6BD69-149A-CD41-9E7C-E241C9398BA0}" type="datetimeFigureOut">
               <a:rPr lang="en-US" smtClean="0"/>
-              <a:t>4/17/2017</a:t>
+              <a:t>4/24/2017</a:t>
             </a:fld>
             <a:endParaRPr lang="en-US"/>
           </a:p>
@@ -3428,7 +3428,7 @@
           <a:p>
             <a:fld id="{56B6BD69-149A-CD41-9E7C-E241C9398BA0}" type="datetimeFigureOut">
               <a:rPr lang="en-US" smtClean="0"/>
-              <a:t>4/17/2017</a:t>
+              <a:t>4/24/2017</a:t>
             </a:fld>
             <a:endParaRPr lang="en-US"/>
           </a:p>
@@ -3640,7 +3640,7 @@
           <a:p>
             <a:fld id="{56B6BD69-149A-CD41-9E7C-E241C9398BA0}" type="datetimeFigureOut">
               <a:rPr lang="en-US" smtClean="0"/>
-              <a:t>4/17/2017</a:t>
+              <a:t>4/24/2017</a:t>
             </a:fld>
             <a:endParaRPr lang="en-US"/>
           </a:p>
@@ -4040,7 +4040,7 @@
             <a:pPr algn="l"/>
             <a:r>
               <a:rPr lang="en-US" sz="8000" b="1" cap="all" dirty="0"/>
-              <a:t>HYRO. DATA VISUALIZATION ON A HYBRID ROCKET </a:t>
+              <a:t>DATA VISUALIZATION ON a ROCKET </a:t>
             </a:r>
           </a:p>
         </p:txBody>
@@ -4057,7 +4057,7 @@
         </p:nvSpPr>
         <p:spPr>
           <a:xfrm>
-            <a:off x="12469124" y="4298241"/>
+            <a:off x="12407125" y="3963717"/>
             <a:ext cx="18951755" cy="1253636"/>
           </a:xfrm>
         </p:spPr>
@@ -4076,7 +4076,7 @@
                   <a:srgbClr val="F37321"/>
                 </a:solidFill>
               </a:rPr>
-              <a:t>How to visualize data from a rocket.</a:t>
+              <a:t>How do we watch data from a rocket live?</a:t>
             </a:r>
           </a:p>
         </p:txBody>
@@ -4357,7 +4357,7 @@
         </p:nvSpPr>
         <p:spPr>
           <a:xfrm>
-            <a:off x="1406151" y="5331461"/>
+            <a:off x="1406151" y="4773433"/>
             <a:ext cx="8550648" cy="15394939"/>
           </a:xfrm>
           <a:prstGeom prst="rect">
@@ -4409,7 +4409,7 @@
             </a:r>
             <a:r>
               <a:rPr lang="en-US" sz="3000" dirty="0"/>
-              <a:t>, and listens for incoming data from the </a:t>
+              <a:t>, and listens for incoming data from another </a:t>
             </a:r>
             <a:r>
               <a:rPr lang="en-US" sz="3000" dirty="0" err="1"/>
@@ -4460,15 +4460,7 @@
             </a:r>
             <a:r>
               <a:rPr lang="en-US" sz="3000" dirty="0"/>
-              <a:t> to implement our gauges and graphs. </a:t>
-            </a:r>
-            <a:r>
-              <a:rPr lang="en-US" sz="3000"/>
-              <a:t>When </a:t>
-            </a:r>
-            <a:r>
-              <a:rPr lang="en-US" sz="3000" dirty="0"/>
-              <a:t>data is received from the </a:t>
+              <a:t> to implement our gauges and graphs. When data is received from the </a:t>
             </a:r>
             <a:r>
               <a:rPr lang="en-US" sz="3000" dirty="0" err="1"/>
@@ -4507,7 +4499,7 @@
         </p:nvSpPr>
         <p:spPr>
           <a:xfrm>
-            <a:off x="1406151" y="2778448"/>
+            <a:off x="1406151" y="2675081"/>
             <a:ext cx="8550648" cy="2146611"/>
           </a:xfrm>
           <a:prstGeom prst="rect">
@@ -4676,18 +4668,29 @@
           <a:p>
             <a:pPr algn="l"/>
             <a:r>
-              <a:rPr lang="en-US" sz="5400">
+              <a:rPr lang="en-US" sz="5400" dirty="0">
                 <a:solidFill>
                   <a:srgbClr val="F37321"/>
                 </a:solidFill>
               </a:rPr>
-              <a:t>The components of Hyro in detail.</a:t>
-            </a:r>
-            <a:endParaRPr lang="en-US" sz="5400" dirty="0">
-              <a:solidFill>
-                <a:srgbClr val="F37321"/>
-              </a:solidFill>
-            </a:endParaRPr>
+              <a:t>The components of </a:t>
+            </a:r>
+            <a:r>
+              <a:rPr lang="en-US" sz="5400" dirty="0" err="1">
+                <a:solidFill>
+                  <a:srgbClr val="F37321"/>
+                </a:solidFill>
+              </a:rPr>
+              <a:t>Hyro</a:t>
+            </a:r>
+            <a:r>
+              <a:rPr lang="en-US" sz="5400" dirty="0">
+                <a:solidFill>
+                  <a:srgbClr val="F37321"/>
+                </a:solidFill>
+              </a:rPr>
+              <a:t> in detail.</a:t>
+            </a:r>
           </a:p>
         </p:txBody>
       </p:sp>
@@ -5072,8 +5075,8 @@
         </p:blipFill>
         <p:spPr>
           <a:xfrm>
-            <a:off x="12469124" y="5331461"/>
-            <a:ext cx="18951756" cy="7241552"/>
+            <a:off x="12954000" y="5331461"/>
+            <a:ext cx="17780000" cy="7241552"/>
           </a:xfrm>
           <a:prstGeom prst="rect">
             <a:avLst/>
@@ -5096,7 +5099,7 @@
         </p:blipFill>
         <p:spPr>
           <a:xfrm>
-            <a:off x="711200" y="20726400"/>
+            <a:off x="1406151" y="20726400"/>
             <a:ext cx="9297361" cy="10970234"/>
           </a:xfrm>
           <a:prstGeom prst="rect">

--- a/Spring17/Poster/ExpoPoster.pptx
+++ b/Spring17/Poster/ExpoPoster.pptx
@@ -238,7 +238,7 @@
           <a:p>
             <a:fld id="{7395F848-6DDA-9042-95D4-0071278BB24B}" type="datetimeFigureOut">
               <a:rPr lang="en-US" smtClean="0"/>
-              <a:t>4/24/2017</a:t>
+              <a:t>4/25/2017</a:t>
             </a:fld>
             <a:endParaRPr lang="en-US"/>
           </a:p>
@@ -1386,7 +1386,7 @@
           <a:p>
             <a:fld id="{56B6BD69-149A-CD41-9E7C-E241C9398BA0}" type="datetimeFigureOut">
               <a:rPr lang="en-US" smtClean="0"/>
-              <a:t>4/24/2017</a:t>
+              <a:t>4/25/2017</a:t>
             </a:fld>
             <a:endParaRPr lang="en-US"/>
           </a:p>
@@ -1564,7 +1564,7 @@
           <a:p>
             <a:fld id="{56B6BD69-149A-CD41-9E7C-E241C9398BA0}" type="datetimeFigureOut">
               <a:rPr lang="en-US" smtClean="0"/>
-              <a:t>4/24/2017</a:t>
+              <a:t>4/25/2017</a:t>
             </a:fld>
             <a:endParaRPr lang="en-US"/>
           </a:p>
@@ -1732,7 +1732,7 @@
           <a:p>
             <a:fld id="{56B6BD69-149A-CD41-9E7C-E241C9398BA0}" type="datetimeFigureOut">
               <a:rPr lang="en-US" smtClean="0"/>
-              <a:t>4/24/2017</a:t>
+              <a:t>4/25/2017</a:t>
             </a:fld>
             <a:endParaRPr lang="en-US"/>
           </a:p>
@@ -1977,7 +1977,7 @@
           <a:p>
             <a:fld id="{56B6BD69-149A-CD41-9E7C-E241C9398BA0}" type="datetimeFigureOut">
               <a:rPr lang="en-US" smtClean="0"/>
-              <a:t>4/24/2017</a:t>
+              <a:t>4/25/2017</a:t>
             </a:fld>
             <a:endParaRPr lang="en-US"/>
           </a:p>
@@ -2262,7 +2262,7 @@
           <a:p>
             <a:fld id="{56B6BD69-149A-CD41-9E7C-E241C9398BA0}" type="datetimeFigureOut">
               <a:rPr lang="en-US" smtClean="0"/>
-              <a:t>4/24/2017</a:t>
+              <a:t>4/25/2017</a:t>
             </a:fld>
             <a:endParaRPr lang="en-US"/>
           </a:p>
@@ -2686,7 +2686,7 @@
           <a:p>
             <a:fld id="{56B6BD69-149A-CD41-9E7C-E241C9398BA0}" type="datetimeFigureOut">
               <a:rPr lang="en-US" smtClean="0"/>
-              <a:t>4/24/2017</a:t>
+              <a:t>4/25/2017</a:t>
             </a:fld>
             <a:endParaRPr lang="en-US"/>
           </a:p>
@@ -2803,7 +2803,7 @@
           <a:p>
             <a:fld id="{56B6BD69-149A-CD41-9E7C-E241C9398BA0}" type="datetimeFigureOut">
               <a:rPr lang="en-US" smtClean="0"/>
-              <a:t>4/24/2017</a:t>
+              <a:t>4/25/2017</a:t>
             </a:fld>
             <a:endParaRPr lang="en-US"/>
           </a:p>
@@ -2898,7 +2898,7 @@
           <a:p>
             <a:fld id="{56B6BD69-149A-CD41-9E7C-E241C9398BA0}" type="datetimeFigureOut">
               <a:rPr lang="en-US" smtClean="0"/>
-              <a:t>4/24/2017</a:t>
+              <a:t>4/25/2017</a:t>
             </a:fld>
             <a:endParaRPr lang="en-US"/>
           </a:p>
@@ -3173,7 +3173,7 @@
           <a:p>
             <a:fld id="{56B6BD69-149A-CD41-9E7C-E241C9398BA0}" type="datetimeFigureOut">
               <a:rPr lang="en-US" smtClean="0"/>
-              <a:t>4/24/2017</a:t>
+              <a:t>4/25/2017</a:t>
             </a:fld>
             <a:endParaRPr lang="en-US"/>
           </a:p>
@@ -3428,7 +3428,7 @@
           <a:p>
             <a:fld id="{56B6BD69-149A-CD41-9E7C-E241C9398BA0}" type="datetimeFigureOut">
               <a:rPr lang="en-US" smtClean="0"/>
-              <a:t>4/24/2017</a:t>
+              <a:t>4/25/2017</a:t>
             </a:fld>
             <a:endParaRPr lang="en-US"/>
           </a:p>
@@ -3640,7 +3640,7 @@
           <a:p>
             <a:fld id="{56B6BD69-149A-CD41-9E7C-E241C9398BA0}" type="datetimeFigureOut">
               <a:rPr lang="en-US" smtClean="0"/>
-              <a:t>4/24/2017</a:t>
+              <a:t>4/25/2017</a:t>
             </a:fld>
             <a:endParaRPr lang="en-US"/>
           </a:p>
@@ -4173,7 +4173,15 @@
             </a:pPr>
             <a:r>
               <a:rPr lang="en-US" sz="3000" dirty="0"/>
-              <a:t>In order to solve this problem the Electrical Engineering team has carefully chosen sensors, servos, a radio transceiver, and a micro computer to fit these needs. Software running on this micro computer communicates with the all these components. Data is collected from the sensors, then packaged up and sent out the radio transceiver.</a:t>
+              <a:t>In order to solve this problem the Electrical Engineering team has carefully chosen sensors, servos, a radio transceiver, and a micro computer to fit these needs. Software running on this micro computer communicates </a:t>
+            </a:r>
+            <a:r>
+              <a:rPr lang="en-US" sz="3000"/>
+              <a:t>with all </a:t>
+            </a:r>
+            <a:r>
+              <a:rPr lang="en-US" sz="3000" dirty="0"/>
+              <a:t>these components. Data is collected from the sensors, then packaged up and sent out the radio transceiver.</a:t>
             </a:r>
           </a:p>
         </p:txBody>
@@ -4468,7 +4476,7 @@
             </a:r>
             <a:r>
               <a:rPr lang="en-US" sz="3000" dirty="0"/>
-              <a:t> in a specified format it is placed into queues that the main thread then can process. In the main thread when new data is detected it is converted into appropriate units, recorded to log files, and then passed to the drawing functions of the gauges and graphs. When a user clicks on a command button the main thread passes that information to the </a:t>
+              <a:t> in a specified format it is placed into queues that the main thread can process. In the main thread when new data is detected it is converted into appropriate units, recorded to log files, and then passed to the drawing functions of the gauges and graphs. When a user clicks on a command button the main thread passes that information to the </a:t>
             </a:r>
             <a:r>
               <a:rPr lang="en-US" sz="3000" dirty="0" err="1"/>
@@ -4673,23 +4681,7 @@
                   <a:srgbClr val="F37321"/>
                 </a:solidFill>
               </a:rPr>
-              <a:t>The components of </a:t>
-            </a:r>
-            <a:r>
-              <a:rPr lang="en-US" sz="5400" dirty="0" err="1">
-                <a:solidFill>
-                  <a:srgbClr val="F37321"/>
-                </a:solidFill>
-              </a:rPr>
-              <a:t>Hyro</a:t>
-            </a:r>
-            <a:r>
-              <a:rPr lang="en-US" sz="5400" dirty="0">
-                <a:solidFill>
-                  <a:srgbClr val="F37321"/>
-                </a:solidFill>
-              </a:rPr>
-              <a:t> in detail.</a:t>
+              <a:t>The major parts of our system.</a:t>
             </a:r>
           </a:p>
         </p:txBody>
@@ -4878,7 +4870,7 @@
                   <a:schemeClr val="bg1"/>
                 </a:solidFill>
               </a:rPr>
-              <a:t>Observing a rocket from a distance.</a:t>
+              <a:t>What is a hybrid rocket and why does it need software?</a:t>
             </a:r>
           </a:p>
         </p:txBody>
@@ -5027,7 +5019,7 @@
         </p:blipFill>
         <p:spPr>
           <a:xfrm>
-            <a:off x="34843453" y="5103246"/>
+            <a:off x="34843453" y="5331461"/>
             <a:ext cx="6545179" cy="7241552"/>
           </a:xfrm>
           <a:prstGeom prst="rect">

--- a/Spring17/Poster/ExpoPoster.pptx
+++ b/Spring17/Poster/ExpoPoster.pptx
@@ -4507,8 +4507,8 @@
         </p:nvSpPr>
         <p:spPr>
           <a:xfrm>
-            <a:off x="1406151" y="2675081"/>
-            <a:ext cx="8550648" cy="2146611"/>
+            <a:off x="1406150" y="3220028"/>
+            <a:ext cx="9297361" cy="2146611"/>
           </a:xfrm>
           <a:prstGeom prst="rect">
             <a:avLst/>
@@ -4681,7 +4681,7 @@
                   <a:srgbClr val="F37321"/>
                 </a:solidFill>
               </a:rPr>
-              <a:t>The major parts of our system.</a:t>
+              <a:t>Major System Components</a:t>
             </a:r>
           </a:p>
         </p:txBody>

--- a/Spring17/Poster/ExpoPoster.pptx
+++ b/Spring17/Poster/ExpoPoster.pptx
@@ -156,6 +156,10 @@
 </p:presentation>
 </file>
 
+<file path=ppt/revisionInfo.xml><?xml version="1.0" encoding="utf-8"?>
+<p1510:revInfo xmlns:a="http://schemas.openxmlformats.org/drawingml/2006/main" xmlns:r="http://schemas.openxmlformats.org/officeDocument/2006/relationships" xmlns:p1510="http://schemas.microsoft.com/office/powerpoint/2015/10/main"/>
+</file>
+
 <file path=ppt/notesMasters/notesMaster1.xml><?xml version="1.0" encoding="utf-8"?>
 <p:notesMaster xmlns:a="http://schemas.openxmlformats.org/drawingml/2006/main" xmlns:r="http://schemas.openxmlformats.org/officeDocument/2006/relationships" xmlns:p="http://schemas.openxmlformats.org/presentationml/2006/main">
   <p:cSld>
@@ -238,7 +242,7 @@
           <a:p>
             <a:fld id="{7395F848-6DDA-9042-95D4-0071278BB24B}" type="datetimeFigureOut">
               <a:rPr lang="en-US" smtClean="0"/>
-              <a:t>4/25/2017</a:t>
+              <a:t>4/27/2017</a:t>
             </a:fld>
             <a:endParaRPr lang="en-US"/>
           </a:p>
@@ -1386,7 +1390,7 @@
           <a:p>
             <a:fld id="{56B6BD69-149A-CD41-9E7C-E241C9398BA0}" type="datetimeFigureOut">
               <a:rPr lang="en-US" smtClean="0"/>
-              <a:t>4/25/2017</a:t>
+              <a:t>4/27/2017</a:t>
             </a:fld>
             <a:endParaRPr lang="en-US"/>
           </a:p>
@@ -1564,7 +1568,7 @@
           <a:p>
             <a:fld id="{56B6BD69-149A-CD41-9E7C-E241C9398BA0}" type="datetimeFigureOut">
               <a:rPr lang="en-US" smtClean="0"/>
-              <a:t>4/25/2017</a:t>
+              <a:t>4/27/2017</a:t>
             </a:fld>
             <a:endParaRPr lang="en-US"/>
           </a:p>
@@ -1732,7 +1736,7 @@
           <a:p>
             <a:fld id="{56B6BD69-149A-CD41-9E7C-E241C9398BA0}" type="datetimeFigureOut">
               <a:rPr lang="en-US" smtClean="0"/>
-              <a:t>4/25/2017</a:t>
+              <a:t>4/27/2017</a:t>
             </a:fld>
             <a:endParaRPr lang="en-US"/>
           </a:p>
@@ -1977,7 +1981,7 @@
           <a:p>
             <a:fld id="{56B6BD69-149A-CD41-9E7C-E241C9398BA0}" type="datetimeFigureOut">
               <a:rPr lang="en-US" smtClean="0"/>
-              <a:t>4/25/2017</a:t>
+              <a:t>4/27/2017</a:t>
             </a:fld>
             <a:endParaRPr lang="en-US"/>
           </a:p>
@@ -2262,7 +2266,7 @@
           <a:p>
             <a:fld id="{56B6BD69-149A-CD41-9E7C-E241C9398BA0}" type="datetimeFigureOut">
               <a:rPr lang="en-US" smtClean="0"/>
-              <a:t>4/25/2017</a:t>
+              <a:t>4/27/2017</a:t>
             </a:fld>
             <a:endParaRPr lang="en-US"/>
           </a:p>
@@ -2686,7 +2690,7 @@
           <a:p>
             <a:fld id="{56B6BD69-149A-CD41-9E7C-E241C9398BA0}" type="datetimeFigureOut">
               <a:rPr lang="en-US" smtClean="0"/>
-              <a:t>4/25/2017</a:t>
+              <a:t>4/27/2017</a:t>
             </a:fld>
             <a:endParaRPr lang="en-US"/>
           </a:p>
@@ -2803,7 +2807,7 @@
           <a:p>
             <a:fld id="{56B6BD69-149A-CD41-9E7C-E241C9398BA0}" type="datetimeFigureOut">
               <a:rPr lang="en-US" smtClean="0"/>
-              <a:t>4/25/2017</a:t>
+              <a:t>4/27/2017</a:t>
             </a:fld>
             <a:endParaRPr lang="en-US"/>
           </a:p>
@@ -2898,7 +2902,7 @@
           <a:p>
             <a:fld id="{56B6BD69-149A-CD41-9E7C-E241C9398BA0}" type="datetimeFigureOut">
               <a:rPr lang="en-US" smtClean="0"/>
-              <a:t>4/25/2017</a:t>
+              <a:t>4/27/2017</a:t>
             </a:fld>
             <a:endParaRPr lang="en-US"/>
           </a:p>
@@ -3173,7 +3177,7 @@
           <a:p>
             <a:fld id="{56B6BD69-149A-CD41-9E7C-E241C9398BA0}" type="datetimeFigureOut">
               <a:rPr lang="en-US" smtClean="0"/>
-              <a:t>4/25/2017</a:t>
+              <a:t>4/27/2017</a:t>
             </a:fld>
             <a:endParaRPr lang="en-US"/>
           </a:p>
@@ -3428,7 +3432,7 @@
           <a:p>
             <a:fld id="{56B6BD69-149A-CD41-9E7C-E241C9398BA0}" type="datetimeFigureOut">
               <a:rPr lang="en-US" smtClean="0"/>
-              <a:t>4/25/2017</a:t>
+              <a:t>4/27/2017</a:t>
             </a:fld>
             <a:endParaRPr lang="en-US"/>
           </a:p>
@@ -3640,7 +3644,7 @@
           <a:p>
             <a:fld id="{56B6BD69-149A-CD41-9E7C-E241C9398BA0}" type="datetimeFigureOut">
               <a:rPr lang="en-US" smtClean="0"/>
-              <a:t>4/25/2017</a:t>
+              <a:t>4/27/2017</a:t>
             </a:fld>
             <a:endParaRPr lang="en-US"/>
           </a:p>
@@ -4090,7 +4094,7 @@
         <p:spPr>
           <a:xfrm>
             <a:off x="12469124" y="12733835"/>
-            <a:ext cx="9222475" cy="19299661"/>
+            <a:ext cx="9222475" cy="19540845"/>
           </a:xfrm>
           <a:prstGeom prst="rect">
             <a:avLst/>
@@ -4125,7 +4129,7 @@
             </a:pPr>
             <a:r>
               <a:rPr lang="en-US" sz="3000" dirty="0"/>
-              <a:t>Over the last couple years, teams at Oregon State University have been developing and testing a feasible hybrid rocket. Last year Oregon State’s team was successfully able to launch a hybrid rocket up to 5,000 ft. On board their rocket was an array of sensors collecting data on a micro computer housed in the avionics bay. They were successful in collecting a large amount of data, but they didn’t have a quick and easy way to view this data. That’s where we come in.</a:t>
+              <a:t>Over the last couple years, teams at Oregon State University have been developing and testing a feasible hybrid rocket. Last year, Oregon State’s team was successfully able to launch a hybrid rocket up to 5,000 ft. On board their rocket was an array of sensors collecting data on a micro computer housed in the avionics bay. They were successful in collecting a large amount of data, but did not have a quick and easy way to view this data. This is where we come in.</a:t>
             </a:r>
           </a:p>
           <a:p>
@@ -4136,7 +4140,7 @@
             </a:pPr>
             <a:r>
               <a:rPr lang="en-US" sz="3000" dirty="0"/>
-              <a:t>Our project’s goal is to establish a live communication line with this years rocket where we will be able to issue commands and receive sensor data. When this data is collected it is our job to visualize it on a graphical interface. The underlying mechanism of this project require communication between two remote computers. This communication is achieved through radio transceivers that can communicate with a modern computer.</a:t>
+              <a:t>The objective of the project is to establish a live communication line with this years rocket where we will effectively issue commands as well as receive sensor data. Following the data being collected, it will be visualized on a graphical interface. The underlying mechanism of this project requires communication between two remote computers controlled by software.</a:t>
             </a:r>
           </a:p>
           <a:p>
@@ -4147,8 +4151,20 @@
             </a:pPr>
             <a:r>
               <a:rPr lang="en-US" sz="3000" dirty="0"/>
-              <a:t> There is a micro computer in the avionics bay of the rocket that is attached to an array of sensors. The computer can be programmed to read these sensors and communicate with one of the radio transceivers to relay information. Software on a laptop on the ground will be connected to another radio transceiver. This software will be able to talk to the computer on the rocket through these radio transceivers.</a:t>
-            </a:r>
+              <a:t>A micro computer in the avionics bay of the rocket is attached to a sensor array. It gathers data and communicates with a radio transceiver to relay information. Software on the ground is connected to another radio transceiver. Data and commands are communicated through these transceivers. </a:t>
+            </a:r>
+          </a:p>
+          <a:p>
+            <a:pPr>
+              <a:spcAft>
+                <a:spcPts val="1800"/>
+              </a:spcAft>
+            </a:pPr>
+            <a:endParaRPr lang="en-US" sz="3600" b="1" dirty="0">
+              <a:solidFill>
+                <a:srgbClr val="5D87A1"/>
+              </a:solidFill>
+            </a:endParaRPr>
           </a:p>
           <a:p>
             <a:pPr>
@@ -4173,48 +4189,43 @@
             </a:pPr>
             <a:r>
               <a:rPr lang="en-US" sz="3000" dirty="0"/>
-              <a:t>In order to solve this problem the Electrical Engineering team has carefully chosen sensors, servos, a radio transceiver, and a micro computer to fit these needs. Software running on this micro computer communicates </a:t>
-            </a:r>
-            <a:r>
-              <a:rPr lang="en-US" sz="3000"/>
-              <a:t>with all </a:t>
-            </a:r>
-            <a:r>
-              <a:rPr lang="en-US" sz="3000" dirty="0"/>
-              <a:t>these components. Data is collected from the sensors, then packaged up and sent out the radio transceiver.</a:t>
-            </a:r>
-          </a:p>
-        </p:txBody>
-      </p:sp>
-      <p:sp>
-        <p:nvSpPr>
-          <p:cNvPr id="14" name="TextBox 13"/>
-          <p:cNvSpPr txBox="1"/>
-          <p:nvPr/>
-        </p:nvSpPr>
-        <p:spPr>
-          <a:xfrm>
-            <a:off x="22136405" y="12208760"/>
-            <a:ext cx="9222475" cy="15769768"/>
-          </a:xfrm>
-          <a:prstGeom prst="rect">
-            <a:avLst/>
-          </a:prstGeom>
-          <a:noFill/>
-        </p:spPr>
-        <p:txBody>
-          <a:bodyPr wrap="square" rtlCol="0">
-            <a:noAutofit/>
-          </a:bodyPr>
-          <a:lstStyle/>
+              <a:t>In order to visualize sensor data which is transmitted to the interface, data is collected from these sensors, then packaged and sent to the radio transceiver.</a:t>
+            </a:r>
+          </a:p>
           <a:p>
             <a:pPr>
               <a:spcAft>
                 <a:spcPts val="1800"/>
               </a:spcAft>
             </a:pPr>
-            <a:endParaRPr lang="en-US" sz="3600" b="1" dirty="0"/>
-          </a:p>
+            <a:r>
+              <a:rPr lang="en-US" sz="3000" dirty="0"/>
+              <a:t>Upon reception, data is visualized on the interface. This is achieved through the use of python and its graphical libraries. Data is visualized on time verse unit graphs and classic gauges. During live flight, data is updated on the interface continuously.</a:t>
+            </a:r>
+          </a:p>
+        </p:txBody>
+      </p:sp>
+      <p:sp>
+        <p:nvSpPr>
+          <p:cNvPr id="14" name="TextBox 13"/>
+          <p:cNvSpPr txBox="1"/>
+          <p:nvPr/>
+        </p:nvSpPr>
+        <p:spPr>
+          <a:xfrm>
+            <a:off x="22419481" y="22409907"/>
+            <a:ext cx="9222475" cy="10293656"/>
+          </a:xfrm>
+          <a:prstGeom prst="rect">
+            <a:avLst/>
+          </a:prstGeom>
+          <a:noFill/>
+        </p:spPr>
+        <p:txBody>
+          <a:bodyPr wrap="square" rtlCol="0">
+            <a:noAutofit/>
+          </a:bodyPr>
+          <a:lstStyle/>
           <a:p>
             <a:pPr>
               <a:spcAft>
@@ -4222,8 +4233,19 @@
               </a:spcAft>
             </a:pPr>
             <a:r>
-              <a:rPr lang="en-US" sz="3600" dirty="0"/>
-              <a:t>The software also monitors for radio messages that might contain commands from the graphical user interface. On the ground our software monitors or sends radio messages from another radio transceiver. When sensor data is received from the rocket we graph this data on the user interface. This makes the rockets current state easy to visualize by the ground team while it is in flight. We then store this information for later visualization and records.</a:t>
+              <a:rPr lang="en-US" sz="3000" dirty="0"/>
+              <a:t>A user initiates start and stop transmissions. Following a new transmission, data collected is logged in time stamped folders, providing a loading option which allows previously recorded data to be viewed at a later time. </a:t>
+            </a:r>
+          </a:p>
+          <a:p>
+            <a:pPr>
+              <a:spcAft>
+                <a:spcPts val="1800"/>
+              </a:spcAft>
+            </a:pPr>
+            <a:r>
+              <a:rPr lang="en-US" sz="3000" dirty="0"/>
+              <a:t>Controls are provided which allow users to issue pre-launch commands to the rocket In which the on board system preforms the requested action. </a:t>
             </a:r>
           </a:p>
           <a:p>
@@ -4249,7 +4271,7 @@
             </a:pPr>
             <a:r>
               <a:rPr lang="en-US" sz="3000" dirty="0"/>
-              <a:t>• Communication must be kept between the rocket and ground team during flight to successfully transfer data.</a:t>
+              <a:t>• Data received must be accurately logged to disk and visualized in a graph.</a:t>
             </a:r>
           </a:p>
           <a:p>
@@ -4260,7 +4282,7 @@
             </a:pPr>
             <a:r>
               <a:rPr lang="en-US" sz="3000" dirty="0"/>
-              <a:t>• When data is received it must be accurately logged and visualized in a graph.</a:t>
+              <a:t>• Data needs to be transferred in under a second in order to ensure accurate representation of current rocket status. </a:t>
             </a:r>
           </a:p>
           <a:p>
@@ -4271,7 +4293,7 @@
             </a:pPr>
             <a:r>
               <a:rPr lang="en-US" sz="3000" dirty="0"/>
-              <a:t>• Data needs to be transferred in under a second in order to have an accurate representation of current rocket status. </a:t>
+              <a:t>• Provide an intuitive, functional interface for the user. </a:t>
             </a:r>
           </a:p>
           <a:p>
@@ -4282,29 +4304,7 @@
             </a:pPr>
             <a:r>
               <a:rPr lang="en-US" sz="3000" dirty="0"/>
-              <a:t>• Have an intuitive interface with ease of use. </a:t>
-            </a:r>
-          </a:p>
-          <a:p>
-            <a:pPr>
-              <a:spcAft>
-                <a:spcPts val="1800"/>
-              </a:spcAft>
-            </a:pPr>
-            <a:r>
-              <a:rPr lang="en-US" sz="3000" dirty="0"/>
-              <a:t>• Successfully provide remote filling capabilities to the rocket team. </a:t>
-            </a:r>
-          </a:p>
-          <a:p>
-            <a:pPr>
-              <a:spcAft>
-                <a:spcPts val="1800"/>
-              </a:spcAft>
-            </a:pPr>
-            <a:r>
-              <a:rPr lang="en-US" sz="3000" dirty="0"/>
-              <a:t>• Satisfy the data visualization criteria derived from our fellow engineering teammates.</a:t>
+              <a:t>• Successfully remote filling capabilities to the rocket team. .</a:t>
             </a:r>
           </a:p>
         </p:txBody>
@@ -4365,8 +4365,8 @@
         </p:nvSpPr>
         <p:spPr>
           <a:xfrm>
-            <a:off x="1406151" y="4773433"/>
-            <a:ext cx="8550648" cy="15394939"/>
+            <a:off x="1406151" y="4773431"/>
+            <a:ext cx="8550648" cy="17290155"/>
           </a:xfrm>
           <a:prstGeom prst="rect">
             <a:avLst/>
@@ -4394,57 +4394,93 @@
             </a:r>
           </a:p>
           <a:p>
-            <a:pPr>
+            <a:pPr marL="457200" indent="-457200">
               <a:spcAft>
                 <a:spcPts val="1800"/>
               </a:spcAft>
+              <a:buFont typeface="Arial" panose="020B0604020202020204" pitchFamily="34" charset="0"/>
+              <a:buChar char="•"/>
             </a:pPr>
             <a:r>
               <a:rPr lang="en-US" sz="3000" dirty="0"/>
-              <a:t>On the rocket - Acting as the avionics system on board the rocket is a Beagle Bone Black micro computer. This computer is connected through GPIO lines to a set of sensors that measure different aspects of flight like, pressure, temperature, altitude, acceleration and GPS. It is also connected to an </a:t>
-            </a:r>
-            <a:r>
-              <a:rPr lang="en-US" sz="3000" dirty="0" err="1"/>
-              <a:t>Xbee</a:t>
-            </a:r>
-            <a:r>
-              <a:rPr lang="en-US" sz="3000" dirty="0"/>
-              <a:t> radio transceiver. A python program runs on the Beagle Bone Black that collects the sensor data, sends the data out through the </a:t>
-            </a:r>
-            <a:r>
-              <a:rPr lang="en-US" sz="3000" dirty="0" err="1"/>
-              <a:t>Xbee</a:t>
-            </a:r>
-            <a:r>
-              <a:rPr lang="en-US" sz="3000" dirty="0"/>
-              <a:t>, and listens for incoming data from another </a:t>
-            </a:r>
-            <a:r>
-              <a:rPr lang="en-US" sz="3000" dirty="0" err="1"/>
-              <a:t>Xbee</a:t>
-            </a:r>
-            <a:r>
-              <a:rPr lang="en-US" sz="3000" dirty="0"/>
-              <a:t>.</a:t>
-            </a:r>
-          </a:p>
-          <a:p>
-            <a:pPr>
+              <a:t>Data gathered on board the rocket is a beagle bone black micro computer.</a:t>
+            </a:r>
+          </a:p>
+          <a:p>
+            <a:pPr marL="457200" indent="-457200">
               <a:spcAft>
                 <a:spcPts val="1800"/>
               </a:spcAft>
+              <a:buFont typeface="Arial" panose="020B0604020202020204" pitchFamily="34" charset="0"/>
+              <a:buChar char="•"/>
             </a:pPr>
             <a:r>
               <a:rPr lang="en-US" sz="3000" dirty="0"/>
-              <a:t> On the ground – The ground computer is Windows based laptop that is connected to a </a:t>
-            </a:r>
+              <a:t>Sensors to collect data regarding pressure, temperature, altitude, and acceleration are installed on the rocket.</a:t>
+            </a:r>
+          </a:p>
+          <a:p>
+            <a:pPr marL="457200" indent="-457200">
+              <a:spcAft>
+                <a:spcPts val="1800"/>
+              </a:spcAft>
+              <a:buFont typeface="Arial" panose="020B0604020202020204" pitchFamily="34" charset="0"/>
+              <a:buChar char="•"/>
+            </a:pPr>
+            <a:r>
+              <a:rPr lang="en-US" sz="3000" dirty="0"/>
+              <a:t>Velocity is numerically derived from the </a:t>
+            </a:r>
+            <a:r>
+              <a:rPr lang="en-US" sz="3000" dirty="0" err="1"/>
+              <a:t>aceleration</a:t>
+            </a:r>
+            <a:r>
+              <a:rPr lang="en-US" sz="3000" dirty="0"/>
+              <a:t> data.</a:t>
+            </a:r>
+          </a:p>
+          <a:p>
+            <a:pPr marL="457200" indent="-457200">
+              <a:spcAft>
+                <a:spcPts val="1800"/>
+              </a:spcAft>
+              <a:buFont typeface="Arial" panose="020B0604020202020204" pitchFamily="34" charset="0"/>
+              <a:buChar char="•"/>
+            </a:pPr>
             <a:r>
               <a:rPr lang="en-US" sz="3000" dirty="0" err="1"/>
               <a:t>Xbee</a:t>
             </a:r>
             <a:r>
               <a:rPr lang="en-US" sz="3000" dirty="0"/>
-              <a:t> via a USB break out board. Our main software runs here. This software is a multi threaded python graphical application. On startup it creates a thread that starts communication with the </a:t>
+              <a:t> radio transceivers are used for radio communication between the rocket and the ground.</a:t>
+            </a:r>
+          </a:p>
+          <a:p>
+            <a:pPr marL="457200" indent="-457200">
+              <a:spcAft>
+                <a:spcPts val="1800"/>
+              </a:spcAft>
+              <a:buFont typeface="Arial" panose="020B0604020202020204" pitchFamily="34" charset="0"/>
+              <a:buChar char="•"/>
+            </a:pPr>
+            <a:r>
+              <a:rPr lang="en-US" sz="3000" dirty="0"/>
+              <a:t>A Python based program on the rocket manages sensor data and radio transmission. This component was developed by the ECE team.</a:t>
+            </a:r>
+          </a:p>
+          <a:p>
+            <a:pPr marL="457200" indent="-457200">
+              <a:spcAft>
+                <a:spcPts val="1800"/>
+              </a:spcAft>
+              <a:buFont typeface="Arial" panose="020B0604020202020204" pitchFamily="34" charset="0"/>
+              <a:buChar char="•"/>
+            </a:pPr>
+            <a:r>
+              <a:rPr lang="en-US" sz="3000" dirty="0"/>
+              <a:t>A Python based graphical user interface is the primary focus in order to Provide the capability to communicate with the </a:t>
             </a:r>
             <a:r>
               <a:rPr lang="en-US" sz="3000" dirty="0" err="1"/>
@@ -4452,47 +4488,88 @@
             </a:r>
             <a:r>
               <a:rPr lang="en-US" sz="3000" dirty="0"/>
-              <a:t>. Another thread runs in parallel that generates the entire user interface. We use </a:t>
-            </a:r>
+              <a:t> and the user.</a:t>
+            </a:r>
+          </a:p>
+          <a:p>
+            <a:pPr marL="457200" indent="-457200">
+              <a:spcAft>
+                <a:spcPts val="1800"/>
+              </a:spcAft>
+              <a:buFont typeface="Arial" panose="020B0604020202020204" pitchFamily="34" charset="0"/>
+              <a:buChar char="•"/>
+            </a:pPr>
+            <a:r>
+              <a:rPr lang="en-US" sz="3000" dirty="0"/>
+              <a:t>The program is divided into two threads; One that controls the </a:t>
+            </a:r>
+            <a:r>
+              <a:rPr lang="en-US" sz="3000" dirty="0" err="1"/>
+              <a:t>Xbee</a:t>
+            </a:r>
+            <a:r>
+              <a:rPr lang="en-US" sz="3000" dirty="0"/>
+              <a:t> and one that collects as well as visualizes data.</a:t>
+            </a:r>
+          </a:p>
+          <a:p>
+            <a:pPr marL="457200" indent="-457200">
+              <a:spcAft>
+                <a:spcPts val="1800"/>
+              </a:spcAft>
+              <a:buFont typeface="Arial" panose="020B0604020202020204" pitchFamily="34" charset="0"/>
+              <a:buChar char="•"/>
+            </a:pPr>
             <a:r>
               <a:rPr lang="en-US" sz="3000" dirty="0" err="1"/>
               <a:t>Tkinter</a:t>
             </a:r>
             <a:r>
               <a:rPr lang="en-US" sz="3000" dirty="0"/>
-              <a:t> and </a:t>
-            </a:r>
+              <a:t> is used as the graphical user interface library.</a:t>
+            </a:r>
+          </a:p>
+          <a:p>
+            <a:pPr marL="457200" indent="-457200">
+              <a:spcAft>
+                <a:spcPts val="1800"/>
+              </a:spcAft>
+              <a:buFont typeface="Arial" panose="020B0604020202020204" pitchFamily="34" charset="0"/>
+              <a:buChar char="•"/>
+            </a:pPr>
             <a:r>
               <a:rPr lang="en-US" sz="3000" dirty="0" err="1"/>
               <a:t>Matplotlib</a:t>
             </a:r>
             <a:r>
               <a:rPr lang="en-US" sz="3000" dirty="0"/>
-              <a:t> to implement our gauges and graphs. When data is received from the </a:t>
-            </a:r>
-            <a:r>
-              <a:rPr lang="en-US" sz="3000" dirty="0" err="1"/>
-              <a:t>Xbee</a:t>
-            </a:r>
+              <a:t> provides a graphing API which is utilized to make our graphs.</a:t>
+            </a:r>
+          </a:p>
+          <a:p>
+            <a:pPr marL="457200" indent="-457200">
+              <a:spcAft>
+                <a:spcPts val="1800"/>
+              </a:spcAft>
+              <a:buFont typeface="Arial" panose="020B0604020202020204" pitchFamily="34" charset="0"/>
+              <a:buChar char="•"/>
+            </a:pPr>
             <a:r>
               <a:rPr lang="en-US" sz="3000" dirty="0"/>
-              <a:t> in a specified format it is placed into queues that the main thread can process. In the main thread when new data is detected it is converted into appropriate units, recorded to log files, and then passed to the drawing functions of the gauges and graphs. When a user clicks on a command button the main thread passes that information to the </a:t>
-            </a:r>
-            <a:r>
-              <a:rPr lang="en-US" sz="3000" dirty="0" err="1"/>
-              <a:t>Xbee</a:t>
-            </a:r>
+              <a:t>Data is received, converted, and passed to drawing functions displayed on the interface.</a:t>
+            </a:r>
+          </a:p>
+          <a:p>
+            <a:pPr marL="457200" indent="-457200">
+              <a:spcAft>
+                <a:spcPts val="1800"/>
+              </a:spcAft>
+              <a:buFont typeface="Arial" panose="020B0604020202020204" pitchFamily="34" charset="0"/>
+              <a:buChar char="•"/>
+            </a:pPr>
             <a:r>
               <a:rPr lang="en-US" sz="3000" dirty="0"/>
-              <a:t> thread which sends it out the </a:t>
-            </a:r>
-            <a:r>
-              <a:rPr lang="en-US" sz="3000" dirty="0" err="1"/>
-              <a:t>Xbee</a:t>
-            </a:r>
-            <a:r>
-              <a:rPr lang="en-US" sz="3000" dirty="0"/>
-              <a:t> to the avionics board on the rocket.</a:t>
+              <a:t>When a user clicks a command button, the command is sent to the radio communication thread which transmits the information to the rocket.</a:t>
             </a:r>
           </a:p>
         </p:txBody>
@@ -4884,7 +4961,7 @@
         <p:spPr>
           <a:xfrm>
             <a:off x="34493201" y="12674612"/>
-            <a:ext cx="7827420" cy="15628638"/>
+            <a:ext cx="7827420" cy="11394756"/>
           </a:xfrm>
           <a:prstGeom prst="rect">
             <a:avLst/>
@@ -4912,94 +4989,152 @@
             </a:r>
           </a:p>
           <a:p>
+            <a:pPr marL="457200" indent="-457200">
+              <a:spcAft>
+                <a:spcPts val="1800"/>
+              </a:spcAft>
+              <a:buFont typeface="Arial" panose="020B0604020202020204" pitchFamily="34" charset="0"/>
+              <a:buChar char="•"/>
+            </a:pPr>
+            <a:r>
+              <a:rPr lang="en-US" sz="3000" dirty="0">
+                <a:solidFill>
+                  <a:schemeClr val="bg1"/>
+                </a:solidFill>
+              </a:rPr>
+              <a:t>A hybrid rocket has two types of fuel, liquid and solid. A normal rocket has one or the other. </a:t>
+            </a:r>
+          </a:p>
+          <a:p>
+            <a:pPr marL="457200" indent="-457200">
+              <a:spcAft>
+                <a:spcPts val="1800"/>
+              </a:spcAft>
+              <a:buFont typeface="Arial" panose="020B0604020202020204" pitchFamily="34" charset="0"/>
+              <a:buChar char="•"/>
+            </a:pPr>
+            <a:r>
+              <a:rPr lang="en-US" sz="3000" dirty="0">
+                <a:solidFill>
+                  <a:schemeClr val="bg1"/>
+                </a:solidFill>
+              </a:rPr>
+              <a:t>The rocket has a set of sensors that monitor its behavior in flight.</a:t>
+            </a:r>
+          </a:p>
+          <a:p>
+            <a:pPr marL="457200" indent="-457200">
+              <a:spcAft>
+                <a:spcPts val="1800"/>
+              </a:spcAft>
+              <a:buFont typeface="Arial" panose="020B0604020202020204" pitchFamily="34" charset="0"/>
+              <a:buChar char="•"/>
+            </a:pPr>
+            <a:r>
+              <a:rPr lang="en-US" sz="3000" dirty="0">
+                <a:solidFill>
+                  <a:schemeClr val="bg1"/>
+                </a:solidFill>
+              </a:rPr>
+              <a:t> Information from these sensors is sent to a computer on the ground.</a:t>
+            </a:r>
+          </a:p>
+          <a:p>
+            <a:pPr marL="457200" indent="-457200">
+              <a:spcAft>
+                <a:spcPts val="1800"/>
+              </a:spcAft>
+              <a:buFont typeface="Arial" panose="020B0604020202020204" pitchFamily="34" charset="0"/>
+              <a:buChar char="•"/>
+            </a:pPr>
+            <a:r>
+              <a:rPr lang="en-US" sz="3000" dirty="0">
+                <a:solidFill>
+                  <a:schemeClr val="bg1"/>
+                </a:solidFill>
+              </a:rPr>
+              <a:t>The job of our software on the ground computer is to turn this information into something that humans can understand.</a:t>
+            </a:r>
+          </a:p>
+          <a:p>
+            <a:pPr marL="457200" indent="-457200">
+              <a:spcAft>
+                <a:spcPts val="1800"/>
+              </a:spcAft>
+              <a:buFont typeface="Arial" panose="020B0604020202020204" pitchFamily="34" charset="0"/>
+              <a:buChar char="•"/>
+            </a:pPr>
+            <a:r>
+              <a:rPr lang="en-US" sz="3000" dirty="0">
+                <a:solidFill>
+                  <a:schemeClr val="bg1"/>
+                </a:solidFill>
+              </a:rPr>
+              <a:t>Our software will receive information    from the rocket while it is in fight.</a:t>
+            </a:r>
+          </a:p>
+          <a:p>
+            <a:pPr marL="457200" indent="-457200">
+              <a:spcAft>
+                <a:spcPts val="1800"/>
+              </a:spcAft>
+              <a:buFont typeface="Arial" panose="020B0604020202020204" pitchFamily="34" charset="0"/>
+              <a:buChar char="•"/>
+            </a:pPr>
+            <a:r>
+              <a:rPr lang="en-US" sz="3000" dirty="0">
+                <a:solidFill>
+                  <a:schemeClr val="bg1"/>
+                </a:solidFill>
+              </a:rPr>
+              <a:t>We graph this information in a way that is easy to under stand.</a:t>
+            </a:r>
+          </a:p>
+          <a:p>
+            <a:pPr marL="457200" indent="-457200">
+              <a:spcAft>
+                <a:spcPts val="1800"/>
+              </a:spcAft>
+              <a:buFont typeface="Arial" panose="020B0604020202020204" pitchFamily="34" charset="0"/>
+              <a:buChar char="•"/>
+            </a:pPr>
+            <a:r>
+              <a:rPr lang="en-US" sz="3000" dirty="0">
+                <a:solidFill>
+                  <a:schemeClr val="bg1"/>
+                </a:solidFill>
+              </a:rPr>
+              <a:t>Previous flights can be loaded at a later time to review old data.</a:t>
+            </a:r>
+          </a:p>
+          <a:p>
+            <a:pPr marL="457200" indent="-457200">
+              <a:spcAft>
+                <a:spcPts val="1800"/>
+              </a:spcAft>
+              <a:buFont typeface="Arial" panose="020B0604020202020204" pitchFamily="34" charset="0"/>
+              <a:buChar char="•"/>
+            </a:pPr>
+            <a:r>
+              <a:rPr lang="en-US" sz="3000" dirty="0">
+                <a:solidFill>
+                  <a:schemeClr val="bg1"/>
+                </a:solidFill>
+              </a:rPr>
+              <a:t>Goal for this year is to fly the rocket over 10,000 feet!</a:t>
+            </a:r>
+          </a:p>
+          <a:p>
             <a:pPr>
               <a:spcAft>
                 <a:spcPts val="1800"/>
               </a:spcAft>
             </a:pPr>
-            <a:r>
-              <a:rPr lang="en-US" sz="3000" dirty="0">
-                <a:solidFill>
-                  <a:schemeClr val="bg1"/>
-                </a:solidFill>
-              </a:rPr>
-              <a:t>• A hybrid rocket has two types of fuel, liquid and solid. A normal rocket has one or the other. </a:t>
-            </a:r>
-          </a:p>
-          <a:p>
-            <a:pPr>
-              <a:spcAft>
-                <a:spcPts val="1800"/>
-              </a:spcAft>
-            </a:pPr>
-            <a:r>
-              <a:rPr lang="en-US" sz="3000" dirty="0">
-                <a:solidFill>
-                  <a:schemeClr val="bg1"/>
-                </a:solidFill>
-              </a:rPr>
-              <a:t>• The rocket has a set of sensors that monitor its behavior in flight.</a:t>
-            </a:r>
-          </a:p>
-          <a:p>
-            <a:pPr>
-              <a:spcAft>
-                <a:spcPts val="1800"/>
-              </a:spcAft>
-            </a:pPr>
-            <a:r>
-              <a:rPr lang="en-US" sz="3000" dirty="0">
-                <a:solidFill>
-                  <a:schemeClr val="bg1"/>
-                </a:solidFill>
-              </a:rPr>
-              <a:t> • Information from these sensors is sent to a computer on the ground.</a:t>
-            </a:r>
-          </a:p>
-          <a:p>
-            <a:pPr>
-              <a:spcAft>
-                <a:spcPts val="1800"/>
-              </a:spcAft>
-            </a:pPr>
-            <a:r>
-              <a:rPr lang="en-US" sz="3000" dirty="0">
-                <a:solidFill>
-                  <a:schemeClr val="bg1"/>
-                </a:solidFill>
-              </a:rPr>
-              <a:t> • The job of our software on the ground computer is to turn this information into something that humans can understand.</a:t>
-            </a:r>
-          </a:p>
-          <a:p>
-            <a:pPr>
-              <a:spcAft>
-                <a:spcPts val="1800"/>
-              </a:spcAft>
-            </a:pPr>
-            <a:r>
-              <a:rPr lang="en-US" sz="3000" dirty="0">
-                <a:solidFill>
-                  <a:schemeClr val="bg1"/>
-                </a:solidFill>
-              </a:rPr>
-              <a:t> • Our software will receive information from the rocket while it is in fight in order for our team to watch its behavior. </a:t>
-            </a:r>
-          </a:p>
-          <a:p>
-            <a:pPr>
-              <a:spcAft>
-                <a:spcPts val="1800"/>
-              </a:spcAft>
-            </a:pPr>
-            <a:r>
-              <a:rPr lang="en-US" sz="3000" dirty="0">
-                <a:solidFill>
-                  <a:schemeClr val="bg1"/>
-                </a:solidFill>
-              </a:rPr>
-              <a:t>The Oregon State hybrid team consists of many students from different colleges. We are made up o f Electrical Engineers, Mechanical Engineers, Computer Science Engineers, and Chemical engineers. The goal that we all face is to make a hybrid rocket fly it to 10,000 feet. While in flight we will monitor its progress in real time. We will be able to view sensor information from a section of the rocket called the avionics bay. This information will be presented in a human readable way in the form of graphs. We will also collect this information for later use and analysis.</a:t>
-            </a:r>
+            <a:endParaRPr lang="en-US" sz="3000" dirty="0">
+              <a:solidFill>
+                <a:schemeClr val="bg1"/>
+              </a:solidFill>
+            </a:endParaRPr>
           </a:p>
         </p:txBody>
       </p:sp>
@@ -5020,7 +5155,7 @@
         <p:spPr>
           <a:xfrm>
             <a:off x="34843453" y="5331461"/>
-            <a:ext cx="6545179" cy="7241552"/>
+            <a:ext cx="6545179" cy="6024797"/>
           </a:xfrm>
           <a:prstGeom prst="rect">
             <a:avLst/>
@@ -5043,8 +5178,8 @@
         </p:blipFill>
         <p:spPr>
           <a:xfrm>
-            <a:off x="22084643" y="27978528"/>
-            <a:ext cx="9222475" cy="4939872"/>
+            <a:off x="21691599" y="12919333"/>
+            <a:ext cx="10784349" cy="9144254"/>
           </a:xfrm>
           <a:prstGeom prst="rect">
             <a:avLst/>
@@ -5091,14 +5226,252 @@
         </p:blipFill>
         <p:spPr>
           <a:xfrm>
-            <a:off x="1406151" y="20726400"/>
-            <a:ext cx="9297361" cy="10970234"/>
+            <a:off x="1406149" y="22857850"/>
+            <a:ext cx="9297361" cy="9416830"/>
           </a:xfrm>
           <a:prstGeom prst="rect">
             <a:avLst/>
           </a:prstGeom>
         </p:spPr>
       </p:pic>
+      <p:pic>
+        <p:nvPicPr>
+          <p:cNvPr id="6" name="Picture 5"/>
+          <p:cNvPicPr>
+            <a:picLocks noChangeAspect="1"/>
+          </p:cNvPicPr>
+          <p:nvPr/>
+        </p:nvPicPr>
+        <p:blipFill>
+          <a:blip r:embed="rId7"/>
+          <a:stretch>
+            <a:fillRect/>
+          </a:stretch>
+        </p:blipFill>
+        <p:spPr>
+          <a:xfrm>
+            <a:off x="40180816" y="24206951"/>
+            <a:ext cx="3061455" cy="3226479"/>
+          </a:xfrm>
+          <a:prstGeom prst="rect">
+            <a:avLst/>
+          </a:prstGeom>
+        </p:spPr>
+      </p:pic>
+      <p:pic>
+        <p:nvPicPr>
+          <p:cNvPr id="10" name="Picture 9"/>
+          <p:cNvPicPr>
+            <a:picLocks noChangeAspect="1"/>
+          </p:cNvPicPr>
+          <p:nvPr/>
+        </p:nvPicPr>
+        <p:blipFill>
+          <a:blip r:embed="rId8"/>
+          <a:stretch>
+            <a:fillRect/>
+          </a:stretch>
+        </p:blipFill>
+        <p:spPr>
+          <a:xfrm>
+            <a:off x="36713536" y="24206951"/>
+            <a:ext cx="3043201" cy="3286670"/>
+          </a:xfrm>
+          <a:prstGeom prst="rect">
+            <a:avLst/>
+          </a:prstGeom>
+        </p:spPr>
+      </p:pic>
+      <p:sp>
+        <p:nvSpPr>
+          <p:cNvPr id="12" name="TextBox 11"/>
+          <p:cNvSpPr txBox="1"/>
+          <p:nvPr/>
+        </p:nvSpPr>
+        <p:spPr>
+          <a:xfrm>
+            <a:off x="40541285" y="27599743"/>
+            <a:ext cx="2700986" cy="707886"/>
+          </a:xfrm>
+          <a:prstGeom prst="rect">
+            <a:avLst/>
+          </a:prstGeom>
+          <a:noFill/>
+        </p:spPr>
+        <p:txBody>
+          <a:bodyPr wrap="square" rtlCol="0">
+            <a:spAutoFit/>
+          </a:bodyPr>
+          <a:lstStyle/>
+          <a:p>
+            <a:r>
+              <a:rPr lang="en-US" sz="4000" dirty="0">
+                <a:solidFill>
+                  <a:schemeClr val="bg1"/>
+                </a:solidFill>
+              </a:rPr>
+              <a:t>Layne</a:t>
+            </a:r>
+            <a:r>
+              <a:rPr lang="en-US" sz="3600" dirty="0">
+                <a:solidFill>
+                  <a:schemeClr val="bg1"/>
+                </a:solidFill>
+              </a:rPr>
+              <a:t> </a:t>
+            </a:r>
+            <a:r>
+              <a:rPr lang="en-US" sz="4000" dirty="0" err="1">
+                <a:solidFill>
+                  <a:schemeClr val="bg1"/>
+                </a:solidFill>
+              </a:rPr>
+              <a:t>Nolli</a:t>
+            </a:r>
+            <a:endParaRPr lang="en-US" sz="4000" dirty="0">
+              <a:solidFill>
+                <a:schemeClr val="bg1"/>
+              </a:solidFill>
+            </a:endParaRPr>
+          </a:p>
+        </p:txBody>
+      </p:sp>
+      <p:sp>
+        <p:nvSpPr>
+          <p:cNvPr id="15" name="TextBox 14"/>
+          <p:cNvSpPr txBox="1"/>
+          <p:nvPr/>
+        </p:nvSpPr>
+        <p:spPr>
+          <a:xfrm>
+            <a:off x="36241210" y="27631204"/>
+            <a:ext cx="4632547" cy="707886"/>
+          </a:xfrm>
+          <a:prstGeom prst="rect">
+            <a:avLst/>
+          </a:prstGeom>
+          <a:noFill/>
+        </p:spPr>
+        <p:txBody>
+          <a:bodyPr wrap="square" rtlCol="0">
+            <a:spAutoFit/>
+          </a:bodyPr>
+          <a:lstStyle/>
+          <a:p>
+            <a:r>
+              <a:rPr lang="en-US" sz="4000" dirty="0">
+                <a:solidFill>
+                  <a:schemeClr val="bg1"/>
+                </a:solidFill>
+              </a:rPr>
+              <a:t>Jason </a:t>
+            </a:r>
+            <a:r>
+              <a:rPr lang="en-US" sz="4000" dirty="0" err="1">
+                <a:solidFill>
+                  <a:schemeClr val="bg1"/>
+                </a:solidFill>
+              </a:rPr>
+              <a:t>Klindtworth</a:t>
+            </a:r>
+            <a:endParaRPr lang="en-US" sz="4000" dirty="0">
+              <a:solidFill>
+                <a:schemeClr val="bg1"/>
+              </a:solidFill>
+            </a:endParaRPr>
+          </a:p>
+        </p:txBody>
+      </p:sp>
+      <p:pic>
+        <p:nvPicPr>
+          <p:cNvPr id="17" name="Picture 16"/>
+          <p:cNvPicPr>
+            <a:picLocks noChangeAspect="1"/>
+          </p:cNvPicPr>
+          <p:nvPr/>
+        </p:nvPicPr>
+        <p:blipFill>
+          <a:blip r:embed="rId9"/>
+          <a:stretch>
+            <a:fillRect/>
+          </a:stretch>
+        </p:blipFill>
+        <p:spPr>
+          <a:xfrm>
+            <a:off x="33339739" y="24254684"/>
+            <a:ext cx="2901471" cy="3139401"/>
+          </a:xfrm>
+          <a:prstGeom prst="rect">
+            <a:avLst/>
+          </a:prstGeom>
+        </p:spPr>
+      </p:pic>
+      <p:sp>
+        <p:nvSpPr>
+          <p:cNvPr id="18" name="TextBox 17"/>
+          <p:cNvSpPr txBox="1"/>
+          <p:nvPr/>
+        </p:nvSpPr>
+        <p:spPr>
+          <a:xfrm>
+            <a:off x="33431519" y="27579401"/>
+            <a:ext cx="2717909" cy="707886"/>
+          </a:xfrm>
+          <a:prstGeom prst="rect">
+            <a:avLst/>
+          </a:prstGeom>
+          <a:noFill/>
+        </p:spPr>
+        <p:txBody>
+          <a:bodyPr wrap="square" rtlCol="0">
+            <a:spAutoFit/>
+          </a:bodyPr>
+          <a:lstStyle/>
+          <a:p>
+            <a:r>
+              <a:rPr lang="en-US" sz="4000" dirty="0">
+                <a:solidFill>
+                  <a:schemeClr val="bg1"/>
+                </a:solidFill>
+              </a:rPr>
+              <a:t>Josh Asher</a:t>
+            </a:r>
+          </a:p>
+        </p:txBody>
+      </p:sp>
+      <p:sp>
+        <p:nvSpPr>
+          <p:cNvPr id="20" name="TextBox 19"/>
+          <p:cNvSpPr txBox="1"/>
+          <p:nvPr/>
+        </p:nvSpPr>
+        <p:spPr>
+          <a:xfrm>
+            <a:off x="35920172" y="11389239"/>
+            <a:ext cx="4319580" cy="584775"/>
+          </a:xfrm>
+          <a:prstGeom prst="rect">
+            <a:avLst/>
+          </a:prstGeom>
+          <a:noFill/>
+        </p:spPr>
+        <p:txBody>
+          <a:bodyPr wrap="none" rtlCol="0">
+            <a:spAutoFit/>
+          </a:bodyPr>
+          <a:lstStyle/>
+          <a:p>
+            <a:r>
+              <a:rPr lang="en-US" sz="3200" dirty="0">
+                <a:solidFill>
+                  <a:schemeClr val="bg1"/>
+                </a:solidFill>
+              </a:rPr>
+              <a:t>OSU Hybrid Team Logo</a:t>
+            </a:r>
+          </a:p>
+        </p:txBody>
+      </p:sp>
     </p:spTree>
     <p:extLst>
       <p:ext uri="{BB962C8B-B14F-4D97-AF65-F5344CB8AC3E}">

--- a/Spring17/Poster/ExpoPoster.pptx
+++ b/Spring17/Poster/ExpoPoster.pptx
@@ -4061,7 +4061,7 @@
         </p:nvSpPr>
         <p:spPr>
           <a:xfrm>
-            <a:off x="12407125" y="3963717"/>
+            <a:off x="12407125" y="3790754"/>
             <a:ext cx="18951755" cy="1253636"/>
           </a:xfrm>
         </p:spPr>
@@ -5202,7 +5202,7 @@
         </p:blipFill>
         <p:spPr>
           <a:xfrm>
-            <a:off x="12954000" y="5331461"/>
+            <a:off x="12801599" y="4775809"/>
             <a:ext cx="17780000" cy="7241552"/>
           </a:xfrm>
           <a:prstGeom prst="rect">
@@ -5226,8 +5226,8 @@
         </p:blipFill>
         <p:spPr>
           <a:xfrm>
-            <a:off x="1406149" y="22857850"/>
-            <a:ext cx="9297361" cy="9416830"/>
+            <a:off x="1382200" y="22409907"/>
+            <a:ext cx="9297361" cy="9033654"/>
           </a:xfrm>
           <a:prstGeom prst="rect">
             <a:avLst/>
@@ -5468,6 +5468,64 @@
                 </a:solidFill>
               </a:rPr>
               <a:t>OSU Hybrid Team Logo</a:t>
+            </a:r>
+          </a:p>
+        </p:txBody>
+      </p:sp>
+      <p:sp>
+        <p:nvSpPr>
+          <p:cNvPr id="4" name="TextBox 3"/>
+          <p:cNvSpPr txBox="1"/>
+          <p:nvPr/>
+        </p:nvSpPr>
+        <p:spPr>
+          <a:xfrm>
+            <a:off x="1803605" y="31537260"/>
+            <a:ext cx="8153194" cy="584775"/>
+          </a:xfrm>
+          <a:prstGeom prst="rect">
+            <a:avLst/>
+          </a:prstGeom>
+          <a:noFill/>
+        </p:spPr>
+        <p:txBody>
+          <a:bodyPr wrap="none" rtlCol="0">
+            <a:spAutoFit/>
+          </a:bodyPr>
+          <a:lstStyle/>
+          <a:p>
+            <a:r>
+              <a:rPr lang="en-US" sz="3200" dirty="0"/>
+              <a:t>Screen capture of live data on the console.</a:t>
+            </a:r>
+          </a:p>
+        </p:txBody>
+      </p:sp>
+      <p:sp>
+        <p:nvSpPr>
+          <p:cNvPr id="8" name="TextBox 7"/>
+          <p:cNvSpPr txBox="1"/>
+          <p:nvPr/>
+        </p:nvSpPr>
+        <p:spPr>
+          <a:xfrm>
+            <a:off x="18487837" y="12017361"/>
+            <a:ext cx="6407523" cy="584775"/>
+          </a:xfrm>
+          <a:prstGeom prst="rect">
+            <a:avLst/>
+          </a:prstGeom>
+          <a:noFill/>
+        </p:spPr>
+        <p:txBody>
+          <a:bodyPr wrap="none" rtlCol="0">
+            <a:spAutoFit/>
+          </a:bodyPr>
+          <a:lstStyle/>
+          <a:p>
+            <a:r>
+              <a:rPr lang="en-US" sz="3200" dirty="0"/>
+              <a:t>Screen shot of the user interface.</a:t>
             </a:r>
           </a:p>
         </p:txBody>
